--- a/Presentation.pptx
+++ b/Presentation.pptx
@@ -5,18 +5,19 @@
     <p:sldMasterId id="2147483648" r:id="rId1"/>
   </p:sldMasterIdLst>
   <p:notesMasterIdLst>
-    <p:notesMasterId r:id="rId11"/>
+    <p:notesMasterId r:id="rId12"/>
   </p:notesMasterIdLst>
   <p:sldIdLst>
     <p:sldId id="256" r:id="rId2"/>
     <p:sldId id="257" r:id="rId3"/>
-    <p:sldId id="258" r:id="rId4"/>
-    <p:sldId id="259" r:id="rId5"/>
-    <p:sldId id="290" r:id="rId6"/>
-    <p:sldId id="291" r:id="rId7"/>
-    <p:sldId id="260" r:id="rId8"/>
-    <p:sldId id="261" r:id="rId9"/>
-    <p:sldId id="289" r:id="rId10"/>
+    <p:sldId id="292" r:id="rId4"/>
+    <p:sldId id="258" r:id="rId5"/>
+    <p:sldId id="259" r:id="rId6"/>
+    <p:sldId id="290" r:id="rId7"/>
+    <p:sldId id="291" r:id="rId8"/>
+    <p:sldId id="260" r:id="rId9"/>
+    <p:sldId id="261" r:id="rId10"/>
+    <p:sldId id="289" r:id="rId11"/>
   </p:sldIdLst>
   <p:sldSz cx="9144000" cy="5143500" type="screen16x9"/>
   <p:notesSz cx="9144000" cy="5143500"/>
@@ -216,7 +217,7 @@
           <a:p>
             <a:fld id="{BA51DB5C-03DC-4356-AD81-5A85B9D97D88}" type="datetimeFigureOut">
               <a:rPr lang="en-US" smtClean="0"/>
-              <a:t>5/27/2020</a:t>
+              <a:t>5/28/2020</a:t>
             </a:fld>
             <a:endParaRPr lang="en-US"/>
           </a:p>
@@ -548,7 +549,91 @@
           <a:p>
             <a:fld id="{1E5789CB-1887-4DEA-A176-9235134303C2}" type="slidenum">
               <a:rPr lang="en-US" smtClean="0"/>
-              <a:t>7</a:t>
+              <a:t>3</a:t>
+            </a:fld>
+            <a:endParaRPr lang="en-US"/>
+          </a:p>
+        </p:txBody>
+      </p:sp>
+    </p:spTree>
+    <p:extLst>
+      <p:ext uri="{BB962C8B-B14F-4D97-AF65-F5344CB8AC3E}">
+        <p14:creationId xmlns:p14="http://schemas.microsoft.com/office/powerpoint/2010/main" val="3896581569"/>
+      </p:ext>
+    </p:extLst>
+  </p:cSld>
+  <p:clrMapOvr>
+    <a:masterClrMapping/>
+  </p:clrMapOvr>
+</p:notes>
+</file>
+
+<file path=ppt/notesSlides/notesSlide2.xml><?xml version="1.0" encoding="utf-8"?>
+<p:notes xmlns:a="http://schemas.openxmlformats.org/drawingml/2006/main" xmlns:r="http://schemas.openxmlformats.org/officeDocument/2006/relationships" xmlns:p="http://schemas.openxmlformats.org/presentationml/2006/main">
+  <p:cSld>
+    <p:spTree>
+      <p:nvGrpSpPr>
+        <p:cNvPr id="1" name=""/>
+        <p:cNvGrpSpPr/>
+        <p:nvPr/>
+      </p:nvGrpSpPr>
+      <p:grpSpPr>
+        <a:xfrm>
+          <a:off x="0" y="0"/>
+          <a:ext cx="0" cy="0"/>
+          <a:chOff x="0" y="0"/>
+          <a:chExt cx="0" cy="0"/>
+        </a:xfrm>
+      </p:grpSpPr>
+      <p:sp>
+        <p:nvSpPr>
+          <p:cNvPr id="2" name="Slide Image Placeholder 1"/>
+          <p:cNvSpPr>
+            <a:spLocks noGrp="1" noRot="1" noChangeAspect="1"/>
+          </p:cNvSpPr>
+          <p:nvPr>
+            <p:ph type="sldImg"/>
+          </p:nvPr>
+        </p:nvSpPr>
+        <p:spPr/>
+      </p:sp>
+      <p:sp>
+        <p:nvSpPr>
+          <p:cNvPr id="3" name="Notes Placeholder 2"/>
+          <p:cNvSpPr>
+            <a:spLocks noGrp="1"/>
+          </p:cNvSpPr>
+          <p:nvPr>
+            <p:ph type="body" idx="1"/>
+          </p:nvPr>
+        </p:nvSpPr>
+        <p:spPr/>
+        <p:txBody>
+          <a:bodyPr/>
+          <a:lstStyle/>
+          <a:p>
+            <a:endParaRPr lang="en-US" dirty="0"/>
+          </a:p>
+        </p:txBody>
+      </p:sp>
+      <p:sp>
+        <p:nvSpPr>
+          <p:cNvPr id="4" name="Slide Number Placeholder 3"/>
+          <p:cNvSpPr>
+            <a:spLocks noGrp="1"/>
+          </p:cNvSpPr>
+          <p:nvPr>
+            <p:ph type="sldNum" sz="quarter" idx="5"/>
+          </p:nvPr>
+        </p:nvSpPr>
+        <p:spPr/>
+        <p:txBody>
+          <a:bodyPr/>
+          <a:lstStyle/>
+          <a:p>
+            <a:fld id="{1E5789CB-1887-4DEA-A176-9235134303C2}" type="slidenum">
+              <a:rPr lang="en-US" smtClean="0"/>
+              <a:t>8</a:t>
             </a:fld>
             <a:endParaRPr lang="en-US"/>
           </a:p>
@@ -1908,7 +1993,7 @@
           <a:p>
             <a:fld id="{1D8BD707-D9CF-40AE-B4C6-C98DA3205C09}" type="datetimeFigureOut">
               <a:rPr lang="en-US"/>
-              <a:t>5/27/2020</a:t>
+              <a:t>5/28/2020</a:t>
             </a:fld>
             <a:endParaRPr lang="en-US"/>
           </a:p>
@@ -2085,7 +2170,7 @@
           <a:p>
             <a:fld id="{1D8BD707-D9CF-40AE-B4C6-C98DA3205C09}" type="datetimeFigureOut">
               <a:rPr lang="en-US"/>
-              <a:t>5/27/2020</a:t>
+              <a:t>5/28/2020</a:t>
             </a:fld>
             <a:endParaRPr lang="en-US"/>
           </a:p>
@@ -3151,7 +3236,7 @@
           <a:p>
             <a:fld id="{1D8BD707-D9CF-40AE-B4C6-C98DA3205C09}" type="datetimeFigureOut">
               <a:rPr lang="en-US"/>
-              <a:t>5/27/2020</a:t>
+              <a:t>5/28/2020</a:t>
             </a:fld>
             <a:endParaRPr lang="en-US"/>
           </a:p>
@@ -3307,7 +3392,7 @@
           <a:p>
             <a:fld id="{1D8BD707-D9CF-40AE-B4C6-C98DA3205C09}" type="datetimeFigureOut">
               <a:rPr lang="en-US"/>
-              <a:t>5/27/2020</a:t>
+              <a:t>5/28/2020</a:t>
             </a:fld>
             <a:endParaRPr lang="en-US"/>
           </a:p>
@@ -3426,7 +3511,7 @@
           <a:p>
             <a:fld id="{1D8BD707-D9CF-40AE-B4C6-C98DA3205C09}" type="datetimeFigureOut">
               <a:rPr lang="en-US"/>
-              <a:t>5/27/2020</a:t>
+              <a:t>5/28/2020</a:t>
             </a:fld>
             <a:endParaRPr lang="en-US"/>
           </a:p>
@@ -3651,7 +3736,7 @@
           <a:p>
             <a:fld id="{1D8BD707-D9CF-40AE-B4C6-C98DA3205C09}" type="datetimeFigureOut">
               <a:rPr lang="en-US"/>
-              <a:t>5/27/2020</a:t>
+              <a:t>5/28/2020</a:t>
             </a:fld>
             <a:endParaRPr lang="en-US"/>
           </a:p>
@@ -4046,6 +4131,106 @@
 </p:sld>
 </file>
 
+<file path=ppt/slides/slide10.xml><?xml version="1.0" encoding="utf-8"?>
+<p:sld xmlns:a="http://schemas.openxmlformats.org/drawingml/2006/main" xmlns:r="http://schemas.openxmlformats.org/officeDocument/2006/relationships" xmlns:p="http://schemas.openxmlformats.org/presentationml/2006/main" showMasterSp="0">
+  <p:cSld>
+    <p:spTree>
+      <p:nvGrpSpPr>
+        <p:cNvPr id="1" name=""/>
+        <p:cNvGrpSpPr/>
+        <p:nvPr/>
+      </p:nvGrpSpPr>
+      <p:grpSpPr>
+        <a:xfrm>
+          <a:off x="0" y="0"/>
+          <a:ext cx="0" cy="0"/>
+          <a:chOff x="0" y="0"/>
+          <a:chExt cx="0" cy="0"/>
+        </a:xfrm>
+      </p:grpSpPr>
+      <p:sp>
+        <p:nvSpPr>
+          <p:cNvPr id="2" name="object 2"/>
+          <p:cNvSpPr/>
+          <p:nvPr/>
+        </p:nvSpPr>
+        <p:spPr>
+          <a:xfrm>
+            <a:off x="0" y="0"/>
+            <a:ext cx="9144000" cy="5143499"/>
+          </a:xfrm>
+          <a:prstGeom prst="rect">
+            <a:avLst/>
+          </a:prstGeom>
+          <a:blipFill>
+            <a:blip r:embed="rId2" cstate="print"/>
+            <a:stretch>
+              <a:fillRect/>
+            </a:stretch>
+          </a:blipFill>
+        </p:spPr>
+        <p:txBody>
+          <a:bodyPr wrap="square" lIns="0" tIns="0" rIns="0" bIns="0" rtlCol="0"/>
+          <a:lstStyle/>
+          <a:p>
+            <a:endParaRPr/>
+          </a:p>
+        </p:txBody>
+      </p:sp>
+      <p:sp>
+        <p:nvSpPr>
+          <p:cNvPr id="3" name="object 3"/>
+          <p:cNvSpPr txBox="1"/>
+          <p:nvPr/>
+        </p:nvSpPr>
+        <p:spPr>
+          <a:xfrm>
+            <a:off x="535940" y="3433648"/>
+            <a:ext cx="885825" cy="514350"/>
+          </a:xfrm>
+          <a:prstGeom prst="rect">
+            <a:avLst/>
+          </a:prstGeom>
+        </p:spPr>
+        <p:txBody>
+          <a:bodyPr vert="horz" wrap="square" lIns="0" tIns="13335" rIns="0" bIns="0" rtlCol="0">
+            <a:spAutoFit/>
+          </a:bodyPr>
+          <a:lstStyle/>
+          <a:p>
+            <a:pPr marL="12700">
+              <a:lnSpc>
+                <a:spcPct val="100000"/>
+              </a:lnSpc>
+              <a:spcBef>
+                <a:spcPts val="105"/>
+              </a:spcBef>
+            </a:pPr>
+            <a:r>
+              <a:rPr sz="3200" dirty="0">
+                <a:solidFill>
+                  <a:srgbClr val="FFFFFF"/>
+                </a:solidFill>
+                <a:latin typeface="Arial"/>
+                <a:cs typeface="Arial"/>
+              </a:rPr>
+              <a:t>Q&amp;A</a:t>
+            </a:r>
+            <a:endParaRPr sz="3200">
+              <a:latin typeface="Arial"/>
+              <a:cs typeface="Arial"/>
+            </a:endParaRPr>
+          </a:p>
+        </p:txBody>
+      </p:sp>
+    </p:spTree>
+  </p:cSld>
+  <p:clrMapOvr>
+    <a:masterClrMapping/>
+  </p:clrMapOvr>
+</p:sld>
+</file>
+
 <file path=ppt/slides/slide2.xml><?xml version="1.0" encoding="utf-8"?>
 <p:sld xmlns:a="http://schemas.openxmlformats.org/drawingml/2006/main" xmlns:r="http://schemas.openxmlformats.org/officeDocument/2006/relationships" xmlns:p="http://schemas.openxmlformats.org/presentationml/2006/main" showMasterSp="0">
   <p:cSld>
@@ -4110,52 +4295,6 @@
           <a:lstStyle/>
           <a:p>
             <a:endParaRPr/>
-          </a:p>
-        </p:txBody>
-      </p:sp>
-      <p:sp>
-        <p:nvSpPr>
-          <p:cNvPr id="5" name="object 5"/>
-          <p:cNvSpPr txBox="1"/>
-          <p:nvPr/>
-        </p:nvSpPr>
-        <p:spPr>
-          <a:xfrm>
-            <a:off x="8837803" y="4830267"/>
-            <a:ext cx="90805" cy="162560"/>
-          </a:xfrm>
-          <a:prstGeom prst="rect">
-            <a:avLst/>
-          </a:prstGeom>
-        </p:spPr>
-        <p:txBody>
-          <a:bodyPr vert="horz" wrap="square" lIns="0" tIns="12700" rIns="0" bIns="0" rtlCol="0">
-            <a:spAutoFit/>
-          </a:bodyPr>
-          <a:lstStyle/>
-          <a:p>
-            <a:pPr marL="12700">
-              <a:lnSpc>
-                <a:spcPct val="100000"/>
-              </a:lnSpc>
-              <a:spcBef>
-                <a:spcPts val="100"/>
-              </a:spcBef>
-            </a:pPr>
-            <a:r>
-              <a:rPr sz="900" dirty="0">
-                <a:solidFill>
-                  <a:srgbClr val="FFFFFF"/>
-                </a:solidFill>
-                <a:latin typeface="Noto Sans"/>
-                <a:cs typeface="Noto Sans"/>
-              </a:rPr>
-              <a:t>2</a:t>
-            </a:r>
-            <a:endParaRPr sz="900">
-              <a:latin typeface="Noto Sans"/>
-              <a:cs typeface="Noto Sans"/>
-            </a:endParaRPr>
           </a:p>
         </p:txBody>
       </p:sp>
@@ -4410,6 +4549,363 @@
 </file>
 
 <file path=ppt/slides/slide3.xml><?xml version="1.0" encoding="utf-8"?>
+<p:sld xmlns:a="http://schemas.openxmlformats.org/drawingml/2006/main" xmlns:r="http://schemas.openxmlformats.org/officeDocument/2006/relationships" xmlns:p="http://schemas.openxmlformats.org/presentationml/2006/main">
+  <p:cSld>
+    <p:spTree>
+      <p:nvGrpSpPr>
+        <p:cNvPr id="1" name=""/>
+        <p:cNvGrpSpPr/>
+        <p:nvPr/>
+      </p:nvGrpSpPr>
+      <p:grpSpPr>
+        <a:xfrm>
+          <a:off x="0" y="0"/>
+          <a:ext cx="0" cy="0"/>
+          <a:chOff x="0" y="0"/>
+          <a:chExt cx="0" cy="0"/>
+        </a:xfrm>
+      </p:grpSpPr>
+      <p:sp>
+        <p:nvSpPr>
+          <p:cNvPr id="4" name="object 4"/>
+          <p:cNvSpPr/>
+          <p:nvPr/>
+        </p:nvSpPr>
+        <p:spPr>
+          <a:xfrm>
+            <a:off x="0" y="345948"/>
+            <a:ext cx="9144000" cy="4797552"/>
+          </a:xfrm>
+          <a:prstGeom prst="rect">
+            <a:avLst/>
+          </a:prstGeom>
+          <a:blipFill>
+            <a:blip r:embed="rId3" cstate="print"/>
+            <a:stretch>
+              <a:fillRect/>
+            </a:stretch>
+          </a:blipFill>
+        </p:spPr>
+        <p:txBody>
+          <a:bodyPr wrap="square" lIns="0" tIns="0" rIns="0" bIns="0" rtlCol="0"/>
+          <a:lstStyle/>
+          <a:p>
+            <a:endParaRPr dirty="0"/>
+          </a:p>
+        </p:txBody>
+      </p:sp>
+      <p:sp>
+        <p:nvSpPr>
+          <p:cNvPr id="5" name="object 5"/>
+          <p:cNvSpPr/>
+          <p:nvPr/>
+        </p:nvSpPr>
+        <p:spPr>
+          <a:xfrm>
+            <a:off x="312420" y="512064"/>
+            <a:ext cx="8429244" cy="3994404"/>
+          </a:xfrm>
+          <a:prstGeom prst="rect">
+            <a:avLst/>
+          </a:prstGeom>
+          <a:blipFill>
+            <a:blip r:embed="rId4" cstate="print"/>
+            <a:stretch>
+              <a:fillRect/>
+            </a:stretch>
+          </a:blipFill>
+        </p:spPr>
+        <p:txBody>
+          <a:bodyPr wrap="square" lIns="0" tIns="0" rIns="0" bIns="0" rtlCol="0"/>
+          <a:lstStyle/>
+          <a:p>
+            <a:endParaRPr/>
+          </a:p>
+        </p:txBody>
+      </p:sp>
+      <p:sp>
+        <p:nvSpPr>
+          <p:cNvPr id="6" name="object 6"/>
+          <p:cNvSpPr/>
+          <p:nvPr/>
+        </p:nvSpPr>
+        <p:spPr>
+          <a:xfrm>
+            <a:off x="441959" y="653795"/>
+            <a:ext cx="8161020" cy="3718559"/>
+          </a:xfrm>
+          <a:prstGeom prst="rect">
+            <a:avLst/>
+          </a:prstGeom>
+          <a:blipFill>
+            <a:blip r:embed="rId5" cstate="print"/>
+            <a:stretch>
+              <a:fillRect/>
+            </a:stretch>
+          </a:blipFill>
+        </p:spPr>
+        <p:txBody>
+          <a:bodyPr wrap="square" lIns="0" tIns="0" rIns="0" bIns="0" rtlCol="0"/>
+          <a:lstStyle/>
+          <a:p>
+            <a:endParaRPr/>
+          </a:p>
+        </p:txBody>
+      </p:sp>
+      <p:sp>
+        <p:nvSpPr>
+          <p:cNvPr id="7" name="object 7"/>
+          <p:cNvSpPr/>
+          <p:nvPr/>
+        </p:nvSpPr>
+        <p:spPr>
+          <a:xfrm>
+            <a:off x="634745" y="826770"/>
+            <a:ext cx="7775575" cy="3335020"/>
+          </a:xfrm>
+          <a:custGeom>
+            <a:avLst/>
+            <a:gdLst/>
+            <a:ahLst/>
+            <a:cxnLst/>
+            <a:rect l="l" t="t" r="r" b="b"/>
+            <a:pathLst>
+              <a:path w="7775575" h="3335020">
+                <a:moveTo>
+                  <a:pt x="7775448" y="0"/>
+                </a:moveTo>
+                <a:lnTo>
+                  <a:pt x="0" y="0"/>
+                </a:lnTo>
+                <a:lnTo>
+                  <a:pt x="0" y="3334511"/>
+                </a:lnTo>
+                <a:lnTo>
+                  <a:pt x="7775448" y="3334511"/>
+                </a:lnTo>
+                <a:lnTo>
+                  <a:pt x="7775448" y="0"/>
+                </a:lnTo>
+                <a:close/>
+              </a:path>
+            </a:pathLst>
+          </a:custGeom>
+          <a:solidFill>
+            <a:srgbClr val="FFFFFF"/>
+          </a:solidFill>
+        </p:spPr>
+        <p:txBody>
+          <a:bodyPr wrap="square" lIns="0" tIns="0" rIns="0" bIns="0" rtlCol="0"/>
+          <a:lstStyle/>
+          <a:p>
+            <a:endParaRPr/>
+          </a:p>
+        </p:txBody>
+      </p:sp>
+      <p:sp>
+        <p:nvSpPr>
+          <p:cNvPr id="8" name="object 8"/>
+          <p:cNvSpPr/>
+          <p:nvPr/>
+        </p:nvSpPr>
+        <p:spPr>
+          <a:xfrm>
+            <a:off x="634745" y="826770"/>
+            <a:ext cx="7775575" cy="3335020"/>
+          </a:xfrm>
+          <a:custGeom>
+            <a:avLst/>
+            <a:gdLst/>
+            <a:ahLst/>
+            <a:cxnLst/>
+            <a:rect l="l" t="t" r="r" b="b"/>
+            <a:pathLst>
+              <a:path w="7775575" h="3335020">
+                <a:moveTo>
+                  <a:pt x="0" y="3334511"/>
+                </a:moveTo>
+                <a:lnTo>
+                  <a:pt x="7775448" y="3334511"/>
+                </a:lnTo>
+                <a:lnTo>
+                  <a:pt x="7775448" y="0"/>
+                </a:lnTo>
+                <a:lnTo>
+                  <a:pt x="0" y="0"/>
+                </a:lnTo>
+                <a:lnTo>
+                  <a:pt x="0" y="3334511"/>
+                </a:lnTo>
+                <a:close/>
+              </a:path>
+            </a:pathLst>
+          </a:custGeom>
+          <a:ln w="38099">
+            <a:solidFill>
+              <a:srgbClr val="FFFFFF"/>
+            </a:solidFill>
+          </a:ln>
+        </p:spPr>
+        <p:txBody>
+          <a:bodyPr wrap="square" lIns="0" tIns="0" rIns="0" bIns="0" rtlCol="0"/>
+          <a:lstStyle/>
+          <a:p>
+            <a:endParaRPr/>
+          </a:p>
+        </p:txBody>
+      </p:sp>
+      <p:sp>
+        <p:nvSpPr>
+          <p:cNvPr id="9" name="object 9"/>
+          <p:cNvSpPr txBox="1">
+            <a:spLocks noGrp="1"/>
+          </p:cNvSpPr>
+          <p:nvPr>
+            <p:ph type="title"/>
+          </p:nvPr>
+        </p:nvSpPr>
+        <p:spPr>
+          <a:xfrm>
+            <a:off x="2323845" y="1219581"/>
+            <a:ext cx="4395470" cy="467995"/>
+          </a:xfrm>
+          <a:prstGeom prst="rect">
+            <a:avLst/>
+          </a:prstGeom>
+        </p:spPr>
+        <p:txBody>
+          <a:bodyPr vert="horz" wrap="square" lIns="0" tIns="13335" rIns="0" bIns="0" rtlCol="0">
+            <a:spAutoFit/>
+          </a:bodyPr>
+          <a:lstStyle/>
+          <a:p>
+            <a:pPr marL="12700" algn="ctr">
+              <a:lnSpc>
+                <a:spcPct val="100000"/>
+              </a:lnSpc>
+              <a:spcBef>
+                <a:spcPts val="105"/>
+              </a:spcBef>
+            </a:pPr>
+            <a:r>
+              <a:rPr lang="en-US" sz="2900" b="0" spc="-10" dirty="0">
+                <a:solidFill>
+                  <a:srgbClr val="4F8BC7"/>
+                </a:solidFill>
+                <a:latin typeface="Noto Sans"/>
+                <a:cs typeface="Noto Sans"/>
+              </a:rPr>
+              <a:t>Disclaimer</a:t>
+            </a:r>
+            <a:endParaRPr sz="2900" dirty="0">
+              <a:latin typeface="Noto Sans"/>
+              <a:cs typeface="Noto Sans"/>
+            </a:endParaRPr>
+          </a:p>
+        </p:txBody>
+      </p:sp>
+      <p:sp>
+        <p:nvSpPr>
+          <p:cNvPr id="10" name="object 10"/>
+          <p:cNvSpPr txBox="1"/>
+          <p:nvPr/>
+        </p:nvSpPr>
+        <p:spPr>
+          <a:xfrm>
+            <a:off x="1058976" y="2329434"/>
+            <a:ext cx="6871334" cy="628377"/>
+          </a:xfrm>
+          <a:prstGeom prst="rect">
+            <a:avLst/>
+          </a:prstGeom>
+        </p:spPr>
+        <p:txBody>
+          <a:bodyPr vert="horz" wrap="square" lIns="0" tIns="12700" rIns="0" bIns="0" rtlCol="0">
+            <a:spAutoFit/>
+          </a:bodyPr>
+          <a:lstStyle/>
+          <a:p>
+            <a:pPr marL="12700" marR="5080" indent="1905" algn="ctr">
+              <a:lnSpc>
+                <a:spcPct val="100000"/>
+              </a:lnSpc>
+              <a:spcBef>
+                <a:spcPts val="100"/>
+              </a:spcBef>
+            </a:pPr>
+            <a:r>
+              <a:rPr lang="en-US" sz="2000" spc="-10" dirty="0">
+                <a:solidFill>
+                  <a:srgbClr val="408AC8"/>
+                </a:solidFill>
+                <a:latin typeface="Noto Sans"/>
+                <a:cs typeface="Noto Sans"/>
+              </a:rPr>
+              <a:t>I’m not related to Cloudflare any way possible. I’m just a customer of them.</a:t>
+            </a:r>
+            <a:endParaRPr sz="2000" dirty="0">
+              <a:latin typeface="Noto Sans"/>
+              <a:cs typeface="Noto Sans"/>
+            </a:endParaRPr>
+          </a:p>
+        </p:txBody>
+      </p:sp>
+      <p:sp>
+        <p:nvSpPr>
+          <p:cNvPr id="11" name="object 11"/>
+          <p:cNvSpPr/>
+          <p:nvPr/>
+        </p:nvSpPr>
+        <p:spPr>
+          <a:xfrm>
+            <a:off x="1841754" y="1960626"/>
+            <a:ext cx="5463540" cy="0"/>
+          </a:xfrm>
+          <a:custGeom>
+            <a:avLst/>
+            <a:gdLst/>
+            <a:ahLst/>
+            <a:cxnLst/>
+            <a:rect l="l" t="t" r="r" b="b"/>
+            <a:pathLst>
+              <a:path w="5463540">
+                <a:moveTo>
+                  <a:pt x="0" y="0"/>
+                </a:moveTo>
+                <a:lnTo>
+                  <a:pt x="5463286" y="0"/>
+                </a:lnTo>
+              </a:path>
+            </a:pathLst>
+          </a:custGeom>
+          <a:ln w="28956">
+            <a:solidFill>
+              <a:srgbClr val="8176B5"/>
+            </a:solidFill>
+          </a:ln>
+        </p:spPr>
+        <p:txBody>
+          <a:bodyPr wrap="square" lIns="0" tIns="0" rIns="0" bIns="0" rtlCol="0"/>
+          <a:lstStyle/>
+          <a:p>
+            <a:endParaRPr/>
+          </a:p>
+        </p:txBody>
+      </p:sp>
+    </p:spTree>
+    <p:extLst>
+      <p:ext uri="{BB962C8B-B14F-4D97-AF65-F5344CB8AC3E}">
+        <p14:creationId xmlns:p14="http://schemas.microsoft.com/office/powerpoint/2010/main" val="1102192649"/>
+      </p:ext>
+    </p:extLst>
+  </p:cSld>
+  <p:clrMapOvr>
+    <a:masterClrMapping/>
+  </p:clrMapOvr>
+</p:sld>
+</file>
+
+<file path=ppt/slides/slide4.xml><?xml version="1.0" encoding="utf-8"?>
 <p:sld xmlns:a="http://schemas.openxmlformats.org/drawingml/2006/main" xmlns:r="http://schemas.openxmlformats.org/officeDocument/2006/relationships" xmlns:p="http://schemas.openxmlformats.org/presentationml/2006/main" showMasterSp="0">
   <p:cSld>
     <p:spTree>
@@ -4488,60 +4984,14 @@
       </p:sp>
       <p:sp>
         <p:nvSpPr>
-          <p:cNvPr id="4" name="object 4"/>
-          <p:cNvSpPr txBox="1"/>
-          <p:nvPr/>
-        </p:nvSpPr>
-        <p:spPr>
-          <a:xfrm>
-            <a:off x="8637269" y="4810455"/>
-            <a:ext cx="67945" cy="116839"/>
-          </a:xfrm>
-          <a:prstGeom prst="rect">
-            <a:avLst/>
-          </a:prstGeom>
-        </p:spPr>
-        <p:txBody>
-          <a:bodyPr vert="horz" wrap="square" lIns="0" tIns="12700" rIns="0" bIns="0" rtlCol="0">
-            <a:spAutoFit/>
-          </a:bodyPr>
-          <a:lstStyle/>
-          <a:p>
-            <a:pPr marL="12700">
-              <a:lnSpc>
-                <a:spcPct val="100000"/>
-              </a:lnSpc>
-              <a:spcBef>
-                <a:spcPts val="100"/>
-              </a:spcBef>
-            </a:pPr>
-            <a:r>
-              <a:rPr sz="600" spc="-5" dirty="0">
-                <a:solidFill>
-                  <a:srgbClr val="929392"/>
-                </a:solidFill>
-                <a:latin typeface="Arial"/>
-                <a:cs typeface="Arial"/>
-              </a:rPr>
-              <a:t>3</a:t>
-            </a:r>
-            <a:endParaRPr sz="600">
-              <a:latin typeface="Arial"/>
-              <a:cs typeface="Arial"/>
-            </a:endParaRPr>
-          </a:p>
-        </p:txBody>
-      </p:sp>
-      <p:sp>
-        <p:nvSpPr>
           <p:cNvPr id="6" name="object 6"/>
           <p:cNvSpPr txBox="1"/>
           <p:nvPr/>
         </p:nvSpPr>
         <p:spPr>
           <a:xfrm>
-            <a:off x="3334924" y="1276350"/>
-            <a:ext cx="2474152" cy="228268"/>
+            <a:off x="2438400" y="1276350"/>
+            <a:ext cx="4267200" cy="382156"/>
           </a:xfrm>
           <a:prstGeom prst="rect">
             <a:avLst/>
@@ -4562,7 +5012,7 @@
               </a:spcBef>
             </a:pPr>
             <a:r>
-              <a:rPr lang="en-US" sz="1400" spc="-5" dirty="0">
+              <a:rPr lang="en-US" sz="2400" b="1" spc="-5" dirty="0">
                 <a:solidFill>
                   <a:srgbClr val="404041"/>
                 </a:solidFill>
@@ -4571,7 +5021,7 @@
               </a:rPr>
               <a:t>https://workers.cloudflare.com</a:t>
             </a:r>
-            <a:endParaRPr sz="1400" dirty="0">
+            <a:endParaRPr sz="2400" b="1" dirty="0">
               <a:latin typeface="Noto Sans"/>
               <a:cs typeface="Noto Sans"/>
             </a:endParaRPr>
@@ -4785,163 +5235,6 @@
           </a:p>
         </p:txBody>
       </p:sp>
-    </p:spTree>
-  </p:cSld>
-  <p:clrMapOvr>
-    <a:masterClrMapping/>
-  </p:clrMapOvr>
-</p:sld>
-</file>
-
-<file path=ppt/slides/slide4.xml><?xml version="1.0" encoding="utf-8"?>
-<p:sld xmlns:a="http://schemas.openxmlformats.org/drawingml/2006/main" xmlns:r="http://schemas.openxmlformats.org/officeDocument/2006/relationships" xmlns:p="http://schemas.openxmlformats.org/presentationml/2006/main">
-  <p:cSld>
-    <p:spTree>
-      <p:nvGrpSpPr>
-        <p:cNvPr id="1" name=""/>
-        <p:cNvGrpSpPr/>
-        <p:nvPr/>
-      </p:nvGrpSpPr>
-      <p:grpSpPr>
-        <a:xfrm>
-          <a:off x="0" y="0"/>
-          <a:ext cx="0" cy="0"/>
-          <a:chOff x="0" y="0"/>
-          <a:chExt cx="0" cy="0"/>
-        </a:xfrm>
-      </p:grpSpPr>
-      <p:sp>
-        <p:nvSpPr>
-          <p:cNvPr id="4" name="object 4"/>
-          <p:cNvSpPr txBox="1"/>
-          <p:nvPr/>
-        </p:nvSpPr>
-        <p:spPr>
-          <a:xfrm>
-            <a:off x="8636889" y="4868367"/>
-            <a:ext cx="83820" cy="147955"/>
-          </a:xfrm>
-          <a:prstGeom prst="rect">
-            <a:avLst/>
-          </a:prstGeom>
-        </p:spPr>
-        <p:txBody>
-          <a:bodyPr vert="horz" wrap="square" lIns="0" tIns="12700" rIns="0" bIns="0" rtlCol="0">
-            <a:spAutoFit/>
-          </a:bodyPr>
-          <a:lstStyle/>
-          <a:p>
-            <a:pPr marL="12700">
-              <a:lnSpc>
-                <a:spcPct val="100000"/>
-              </a:lnSpc>
-              <a:spcBef>
-                <a:spcPts val="100"/>
-              </a:spcBef>
-            </a:pPr>
-            <a:r>
-              <a:rPr sz="800" dirty="0">
-                <a:solidFill>
-                  <a:srgbClr val="57585B"/>
-                </a:solidFill>
-                <a:latin typeface="Noto Sans"/>
-                <a:cs typeface="Noto Sans"/>
-              </a:rPr>
-              <a:t>4</a:t>
-            </a:r>
-            <a:endParaRPr sz="800">
-              <a:latin typeface="Noto Sans"/>
-              <a:cs typeface="Noto Sans"/>
-            </a:endParaRPr>
-          </a:p>
-        </p:txBody>
-      </p:sp>
-      <p:sp>
-        <p:nvSpPr>
-          <p:cNvPr id="7" name="object 3">
-            <a:extLst>
-              <a:ext uri="{FF2B5EF4-FFF2-40B4-BE49-F238E27FC236}">
-                <a16:creationId xmlns:a16="http://schemas.microsoft.com/office/drawing/2014/main" id="{3E7F8BA2-D8DD-4342-B2EA-14D7A5F75ED5}"/>
-              </a:ext>
-            </a:extLst>
-          </p:cNvPr>
-          <p:cNvSpPr txBox="1">
-            <a:spLocks noGrp="1"/>
-          </p:cNvSpPr>
-          <p:nvPr>
-            <p:ph type="title"/>
-          </p:nvPr>
-        </p:nvSpPr>
-        <p:spPr>
-          <a:xfrm>
-            <a:off x="459740" y="473151"/>
-            <a:ext cx="4359275" cy="468630"/>
-          </a:xfrm>
-          <a:prstGeom prst="rect">
-            <a:avLst/>
-          </a:prstGeom>
-        </p:spPr>
-        <p:txBody>
-          <a:bodyPr vert="horz" wrap="square" lIns="0" tIns="13335" rIns="0" bIns="0" rtlCol="0">
-            <a:spAutoFit/>
-          </a:bodyPr>
-          <a:lstStyle/>
-          <a:p>
-            <a:pPr marL="12700">
-              <a:lnSpc>
-                <a:spcPct val="100000"/>
-              </a:lnSpc>
-              <a:spcBef>
-                <a:spcPts val="105"/>
-              </a:spcBef>
-            </a:pPr>
-            <a:r>
-              <a:rPr lang="en-US" sz="2900" b="0" spc="-15" dirty="0">
-                <a:solidFill>
-                  <a:srgbClr val="408AC8"/>
-                </a:solidFill>
-                <a:latin typeface="Noto Sans"/>
-                <a:cs typeface="Noto Sans"/>
-              </a:rPr>
-              <a:t>Pricing</a:t>
-            </a:r>
-            <a:endParaRPr sz="2900" dirty="0">
-              <a:latin typeface="Noto Sans"/>
-              <a:cs typeface="Noto Sans"/>
-            </a:endParaRPr>
-          </a:p>
-        </p:txBody>
-      </p:sp>
-      <p:pic>
-        <p:nvPicPr>
-          <p:cNvPr id="8" name="Picture 7">
-            <a:extLst>
-              <a:ext uri="{FF2B5EF4-FFF2-40B4-BE49-F238E27FC236}">
-                <a16:creationId xmlns:a16="http://schemas.microsoft.com/office/drawing/2014/main" id="{C4D5F99C-A2D2-4B0D-B497-3270F5F9A6F9}"/>
-              </a:ext>
-            </a:extLst>
-          </p:cNvPr>
-          <p:cNvPicPr>
-            <a:picLocks noChangeAspect="1"/>
-          </p:cNvPicPr>
-          <p:nvPr/>
-        </p:nvPicPr>
-        <p:blipFill>
-          <a:blip r:embed="rId2"/>
-          <a:stretch>
-            <a:fillRect/>
-          </a:stretch>
-        </p:blipFill>
-        <p:spPr>
-          <a:xfrm>
-            <a:off x="1488989" y="1123950"/>
-            <a:ext cx="6166022" cy="3657600"/>
-          </a:xfrm>
-          <a:prstGeom prst="rect">
-            <a:avLst/>
-          </a:prstGeom>
-        </p:spPr>
-      </p:pic>
     </p:spTree>
   </p:cSld>
   <p:clrMapOvr>
@@ -4969,21 +5262,31 @@
       </p:grpSpPr>
       <p:sp>
         <p:nvSpPr>
-          <p:cNvPr id="4" name="object 4"/>
-          <p:cNvSpPr txBox="1"/>
-          <p:nvPr/>
-        </p:nvSpPr>
-        <p:spPr>
-          <a:xfrm>
-            <a:off x="8636889" y="4868367"/>
-            <a:ext cx="83820" cy="147955"/>
+          <p:cNvPr id="7" name="object 3">
+            <a:extLst>
+              <a:ext uri="{FF2B5EF4-FFF2-40B4-BE49-F238E27FC236}">
+                <a16:creationId xmlns:a16="http://schemas.microsoft.com/office/drawing/2014/main" id="{3E7F8BA2-D8DD-4342-B2EA-14D7A5F75ED5}"/>
+              </a:ext>
+            </a:extLst>
+          </p:cNvPr>
+          <p:cNvSpPr txBox="1">
+            <a:spLocks noGrp="1"/>
+          </p:cNvSpPr>
+          <p:nvPr>
+            <p:ph type="title"/>
+          </p:nvPr>
+        </p:nvSpPr>
+        <p:spPr>
+          <a:xfrm>
+            <a:off x="459740" y="473151"/>
+            <a:ext cx="4359275" cy="468630"/>
           </a:xfrm>
           <a:prstGeom prst="rect">
             <a:avLst/>
           </a:prstGeom>
         </p:spPr>
         <p:txBody>
-          <a:bodyPr vert="horz" wrap="square" lIns="0" tIns="12700" rIns="0" bIns="0" rtlCol="0">
+          <a:bodyPr vert="horz" wrap="square" lIns="0" tIns="13335" rIns="0" bIns="0" rtlCol="0">
             <a:spAutoFit/>
           </a:bodyPr>
           <a:lstStyle/>
@@ -4993,26 +5296,81 @@
                 <a:spcPct val="100000"/>
               </a:lnSpc>
               <a:spcBef>
-                <a:spcPts val="100"/>
+                <a:spcPts val="105"/>
               </a:spcBef>
             </a:pPr>
             <a:r>
-              <a:rPr sz="800" dirty="0">
-                <a:solidFill>
-                  <a:srgbClr val="57585B"/>
+              <a:rPr lang="en-US" sz="2900" b="0" spc="-15" dirty="0">
+                <a:solidFill>
+                  <a:srgbClr val="408AC8"/>
                 </a:solidFill>
                 <a:latin typeface="Noto Sans"/>
                 <a:cs typeface="Noto Sans"/>
               </a:rPr>
-              <a:t>4</a:t>
+              <a:t>Pricing</a:t>
             </a:r>
-            <a:endParaRPr sz="800">
+            <a:endParaRPr sz="2900" dirty="0">
               <a:latin typeface="Noto Sans"/>
               <a:cs typeface="Noto Sans"/>
             </a:endParaRPr>
           </a:p>
         </p:txBody>
       </p:sp>
+      <p:pic>
+        <p:nvPicPr>
+          <p:cNvPr id="8" name="Picture 7">
+            <a:extLst>
+              <a:ext uri="{FF2B5EF4-FFF2-40B4-BE49-F238E27FC236}">
+                <a16:creationId xmlns:a16="http://schemas.microsoft.com/office/drawing/2014/main" id="{C4D5F99C-A2D2-4B0D-B497-3270F5F9A6F9}"/>
+              </a:ext>
+            </a:extLst>
+          </p:cNvPr>
+          <p:cNvPicPr>
+            <a:picLocks noChangeAspect="1"/>
+          </p:cNvPicPr>
+          <p:nvPr/>
+        </p:nvPicPr>
+        <p:blipFill>
+          <a:blip r:embed="rId2"/>
+          <a:stretch>
+            <a:fillRect/>
+          </a:stretch>
+        </p:blipFill>
+        <p:spPr>
+          <a:xfrm>
+            <a:off x="1488989" y="1123950"/>
+            <a:ext cx="6166022" cy="3657600"/>
+          </a:xfrm>
+          <a:prstGeom prst="rect">
+            <a:avLst/>
+          </a:prstGeom>
+        </p:spPr>
+      </p:pic>
+    </p:spTree>
+  </p:cSld>
+  <p:clrMapOvr>
+    <a:masterClrMapping/>
+  </p:clrMapOvr>
+</p:sld>
+</file>
+
+<file path=ppt/slides/slide6.xml><?xml version="1.0" encoding="utf-8"?>
+<p:sld xmlns:a="http://schemas.openxmlformats.org/drawingml/2006/main" xmlns:r="http://schemas.openxmlformats.org/officeDocument/2006/relationships" xmlns:p="http://schemas.openxmlformats.org/presentationml/2006/main">
+  <p:cSld>
+    <p:spTree>
+      <p:nvGrpSpPr>
+        <p:cNvPr id="1" name=""/>
+        <p:cNvGrpSpPr/>
+        <p:nvPr/>
+      </p:nvGrpSpPr>
+      <p:grpSpPr>
+        <a:xfrm>
+          <a:off x="0" y="0"/>
+          <a:ext cx="0" cy="0"/>
+          <a:chOff x="0" y="0"/>
+          <a:chExt cx="0" cy="0"/>
+        </a:xfrm>
+      </p:grpSpPr>
       <p:sp>
         <p:nvSpPr>
           <p:cNvPr id="7" name="object 3">
@@ -5332,7 +5690,7 @@
 </p:sld>
 </file>
 
-<file path=ppt/slides/slide6.xml><?xml version="1.0" encoding="utf-8"?>
+<file path=ppt/slides/slide7.xml><?xml version="1.0" encoding="utf-8"?>
 <p:sld xmlns:a="http://schemas.openxmlformats.org/drawingml/2006/main" xmlns:r="http://schemas.openxmlformats.org/officeDocument/2006/relationships" xmlns:p="http://schemas.openxmlformats.org/presentationml/2006/main">
   <p:cSld>
     <p:spTree>
@@ -5349,52 +5707,6 @@
           <a:chExt cx="0" cy="0"/>
         </a:xfrm>
       </p:grpSpPr>
-      <p:sp>
-        <p:nvSpPr>
-          <p:cNvPr id="4" name="object 4"/>
-          <p:cNvSpPr txBox="1"/>
-          <p:nvPr/>
-        </p:nvSpPr>
-        <p:spPr>
-          <a:xfrm>
-            <a:off x="8636889" y="4868367"/>
-            <a:ext cx="83820" cy="147955"/>
-          </a:xfrm>
-          <a:prstGeom prst="rect">
-            <a:avLst/>
-          </a:prstGeom>
-        </p:spPr>
-        <p:txBody>
-          <a:bodyPr vert="horz" wrap="square" lIns="0" tIns="12700" rIns="0" bIns="0" rtlCol="0">
-            <a:spAutoFit/>
-          </a:bodyPr>
-          <a:lstStyle/>
-          <a:p>
-            <a:pPr marL="12700">
-              <a:lnSpc>
-                <a:spcPct val="100000"/>
-              </a:lnSpc>
-              <a:spcBef>
-                <a:spcPts val="100"/>
-              </a:spcBef>
-            </a:pPr>
-            <a:r>
-              <a:rPr sz="800" dirty="0">
-                <a:solidFill>
-                  <a:srgbClr val="57585B"/>
-                </a:solidFill>
-                <a:latin typeface="Noto Sans"/>
-                <a:cs typeface="Noto Sans"/>
-              </a:rPr>
-              <a:t>4</a:t>
-            </a:r>
-            <a:endParaRPr sz="800">
-              <a:latin typeface="Noto Sans"/>
-              <a:cs typeface="Noto Sans"/>
-            </a:endParaRPr>
-          </a:p>
-        </p:txBody>
-      </p:sp>
       <p:sp>
         <p:nvSpPr>
           <p:cNvPr id="7" name="object 3">
@@ -5981,418 +6293,6 @@
 </p:sld>
 </file>
 
-<file path=ppt/slides/slide7.xml><?xml version="1.0" encoding="utf-8"?>
-<p:sld xmlns:a="http://schemas.openxmlformats.org/drawingml/2006/main" xmlns:r="http://schemas.openxmlformats.org/officeDocument/2006/relationships" xmlns:p="http://schemas.openxmlformats.org/presentationml/2006/main" showMasterSp="0">
-  <p:cSld>
-    <p:spTree>
-      <p:nvGrpSpPr>
-        <p:cNvPr id="1" name=""/>
-        <p:cNvGrpSpPr/>
-        <p:nvPr/>
-      </p:nvGrpSpPr>
-      <p:grpSpPr>
-        <a:xfrm>
-          <a:off x="0" y="0"/>
-          <a:ext cx="0" cy="0"/>
-          <a:chOff x="0" y="0"/>
-          <a:chExt cx="0" cy="0"/>
-        </a:xfrm>
-      </p:grpSpPr>
-      <p:sp>
-        <p:nvSpPr>
-          <p:cNvPr id="4" name="object 4"/>
-          <p:cNvSpPr/>
-          <p:nvPr/>
-        </p:nvSpPr>
-        <p:spPr>
-          <a:xfrm>
-            <a:off x="0" y="345948"/>
-            <a:ext cx="9144000" cy="4797552"/>
-          </a:xfrm>
-          <a:prstGeom prst="rect">
-            <a:avLst/>
-          </a:prstGeom>
-          <a:blipFill>
-            <a:blip r:embed="rId3" cstate="print"/>
-            <a:stretch>
-              <a:fillRect/>
-            </a:stretch>
-          </a:blipFill>
-        </p:spPr>
-        <p:txBody>
-          <a:bodyPr wrap="square" lIns="0" tIns="0" rIns="0" bIns="0" rtlCol="0"/>
-          <a:lstStyle/>
-          <a:p>
-            <a:endParaRPr dirty="0"/>
-          </a:p>
-        </p:txBody>
-      </p:sp>
-      <p:sp>
-        <p:nvSpPr>
-          <p:cNvPr id="5" name="object 5"/>
-          <p:cNvSpPr/>
-          <p:nvPr/>
-        </p:nvSpPr>
-        <p:spPr>
-          <a:xfrm>
-            <a:off x="312420" y="512064"/>
-            <a:ext cx="8429244" cy="3994404"/>
-          </a:xfrm>
-          <a:prstGeom prst="rect">
-            <a:avLst/>
-          </a:prstGeom>
-          <a:blipFill>
-            <a:blip r:embed="rId4" cstate="print"/>
-            <a:stretch>
-              <a:fillRect/>
-            </a:stretch>
-          </a:blipFill>
-        </p:spPr>
-        <p:txBody>
-          <a:bodyPr wrap="square" lIns="0" tIns="0" rIns="0" bIns="0" rtlCol="0"/>
-          <a:lstStyle/>
-          <a:p>
-            <a:endParaRPr/>
-          </a:p>
-        </p:txBody>
-      </p:sp>
-      <p:sp>
-        <p:nvSpPr>
-          <p:cNvPr id="6" name="object 6"/>
-          <p:cNvSpPr/>
-          <p:nvPr/>
-        </p:nvSpPr>
-        <p:spPr>
-          <a:xfrm>
-            <a:off x="441959" y="653795"/>
-            <a:ext cx="8161020" cy="3718559"/>
-          </a:xfrm>
-          <a:prstGeom prst="rect">
-            <a:avLst/>
-          </a:prstGeom>
-          <a:blipFill>
-            <a:blip r:embed="rId5" cstate="print"/>
-            <a:stretch>
-              <a:fillRect/>
-            </a:stretch>
-          </a:blipFill>
-        </p:spPr>
-        <p:txBody>
-          <a:bodyPr wrap="square" lIns="0" tIns="0" rIns="0" bIns="0" rtlCol="0"/>
-          <a:lstStyle/>
-          <a:p>
-            <a:endParaRPr/>
-          </a:p>
-        </p:txBody>
-      </p:sp>
-      <p:sp>
-        <p:nvSpPr>
-          <p:cNvPr id="7" name="object 7"/>
-          <p:cNvSpPr/>
-          <p:nvPr/>
-        </p:nvSpPr>
-        <p:spPr>
-          <a:xfrm>
-            <a:off x="634745" y="826770"/>
-            <a:ext cx="7775575" cy="3335020"/>
-          </a:xfrm>
-          <a:custGeom>
-            <a:avLst/>
-            <a:gdLst/>
-            <a:ahLst/>
-            <a:cxnLst/>
-            <a:rect l="l" t="t" r="r" b="b"/>
-            <a:pathLst>
-              <a:path w="7775575" h="3335020">
-                <a:moveTo>
-                  <a:pt x="7775448" y="0"/>
-                </a:moveTo>
-                <a:lnTo>
-                  <a:pt x="0" y="0"/>
-                </a:lnTo>
-                <a:lnTo>
-                  <a:pt x="0" y="3334511"/>
-                </a:lnTo>
-                <a:lnTo>
-                  <a:pt x="7775448" y="3334511"/>
-                </a:lnTo>
-                <a:lnTo>
-                  <a:pt x="7775448" y="0"/>
-                </a:lnTo>
-                <a:close/>
-              </a:path>
-            </a:pathLst>
-          </a:custGeom>
-          <a:solidFill>
-            <a:srgbClr val="FFFFFF"/>
-          </a:solidFill>
-        </p:spPr>
-        <p:txBody>
-          <a:bodyPr wrap="square" lIns="0" tIns="0" rIns="0" bIns="0" rtlCol="0"/>
-          <a:lstStyle/>
-          <a:p>
-            <a:endParaRPr/>
-          </a:p>
-        </p:txBody>
-      </p:sp>
-      <p:sp>
-        <p:nvSpPr>
-          <p:cNvPr id="8" name="object 8"/>
-          <p:cNvSpPr/>
-          <p:nvPr/>
-        </p:nvSpPr>
-        <p:spPr>
-          <a:xfrm>
-            <a:off x="634745" y="826770"/>
-            <a:ext cx="7775575" cy="3335020"/>
-          </a:xfrm>
-          <a:custGeom>
-            <a:avLst/>
-            <a:gdLst/>
-            <a:ahLst/>
-            <a:cxnLst/>
-            <a:rect l="l" t="t" r="r" b="b"/>
-            <a:pathLst>
-              <a:path w="7775575" h="3335020">
-                <a:moveTo>
-                  <a:pt x="0" y="3334511"/>
-                </a:moveTo>
-                <a:lnTo>
-                  <a:pt x="7775448" y="3334511"/>
-                </a:lnTo>
-                <a:lnTo>
-                  <a:pt x="7775448" y="0"/>
-                </a:lnTo>
-                <a:lnTo>
-                  <a:pt x="0" y="0"/>
-                </a:lnTo>
-                <a:lnTo>
-                  <a:pt x="0" y="3334511"/>
-                </a:lnTo>
-                <a:close/>
-              </a:path>
-            </a:pathLst>
-          </a:custGeom>
-          <a:ln w="38099">
-            <a:solidFill>
-              <a:srgbClr val="FFFFFF"/>
-            </a:solidFill>
-          </a:ln>
-        </p:spPr>
-        <p:txBody>
-          <a:bodyPr wrap="square" lIns="0" tIns="0" rIns="0" bIns="0" rtlCol="0"/>
-          <a:lstStyle/>
-          <a:p>
-            <a:endParaRPr/>
-          </a:p>
-        </p:txBody>
-      </p:sp>
-      <p:sp>
-        <p:nvSpPr>
-          <p:cNvPr id="9" name="object 9"/>
-          <p:cNvSpPr txBox="1">
-            <a:spLocks noGrp="1"/>
-          </p:cNvSpPr>
-          <p:nvPr>
-            <p:ph type="title"/>
-          </p:nvPr>
-        </p:nvSpPr>
-        <p:spPr>
-          <a:xfrm>
-            <a:off x="2323845" y="1219581"/>
-            <a:ext cx="4395470" cy="467995"/>
-          </a:xfrm>
-          <a:prstGeom prst="rect">
-            <a:avLst/>
-          </a:prstGeom>
-        </p:spPr>
-        <p:txBody>
-          <a:bodyPr vert="horz" wrap="square" lIns="0" tIns="13335" rIns="0" bIns="0" rtlCol="0">
-            <a:spAutoFit/>
-          </a:bodyPr>
-          <a:lstStyle/>
-          <a:p>
-            <a:pPr marL="12700" algn="ctr">
-              <a:lnSpc>
-                <a:spcPct val="100000"/>
-              </a:lnSpc>
-              <a:spcBef>
-                <a:spcPts val="105"/>
-              </a:spcBef>
-            </a:pPr>
-            <a:r>
-              <a:rPr lang="en-US" sz="2900" b="0" spc="-10" dirty="0">
-                <a:solidFill>
-                  <a:srgbClr val="4F8BC7"/>
-                </a:solidFill>
-                <a:latin typeface="Noto Sans"/>
-                <a:cs typeface="Noto Sans"/>
-              </a:rPr>
-              <a:t>Key-Value Storage</a:t>
-            </a:r>
-            <a:endParaRPr sz="2900" dirty="0">
-              <a:latin typeface="Noto Sans"/>
-              <a:cs typeface="Noto Sans"/>
-            </a:endParaRPr>
-          </a:p>
-        </p:txBody>
-      </p:sp>
-      <p:sp>
-        <p:nvSpPr>
-          <p:cNvPr id="10" name="object 10"/>
-          <p:cNvSpPr txBox="1"/>
-          <p:nvPr/>
-        </p:nvSpPr>
-        <p:spPr>
-          <a:xfrm>
-            <a:off x="1058976" y="2329434"/>
-            <a:ext cx="6871334" cy="1245870"/>
-          </a:xfrm>
-          <a:prstGeom prst="rect">
-            <a:avLst/>
-          </a:prstGeom>
-        </p:spPr>
-        <p:txBody>
-          <a:bodyPr vert="horz" wrap="square" lIns="0" tIns="12700" rIns="0" bIns="0" rtlCol="0">
-            <a:spAutoFit/>
-          </a:bodyPr>
-          <a:lstStyle/>
-          <a:p>
-            <a:pPr marL="12700" marR="5080" indent="1905" algn="ctr">
-              <a:lnSpc>
-                <a:spcPct val="100000"/>
-              </a:lnSpc>
-              <a:spcBef>
-                <a:spcPts val="100"/>
-              </a:spcBef>
-            </a:pPr>
-            <a:r>
-              <a:rPr lang="en-US" sz="2000" spc="-10" dirty="0">
-                <a:solidFill>
-                  <a:srgbClr val="408AC8"/>
-                </a:solidFill>
-                <a:latin typeface="Noto Sans"/>
-                <a:cs typeface="Noto Sans"/>
-              </a:rPr>
-              <a:t>Workers KV is a global, low-latency, key-value data store. It supports exceptionally high read volumes with low-latency, making it possible to build highly dynamic APIs and websites which respond as quickly as a cached static file would.</a:t>
-            </a:r>
-            <a:endParaRPr sz="2000" dirty="0">
-              <a:latin typeface="Noto Sans"/>
-              <a:cs typeface="Noto Sans"/>
-            </a:endParaRPr>
-          </a:p>
-        </p:txBody>
-      </p:sp>
-      <p:sp>
-        <p:nvSpPr>
-          <p:cNvPr id="11" name="object 11"/>
-          <p:cNvSpPr/>
-          <p:nvPr/>
-        </p:nvSpPr>
-        <p:spPr>
-          <a:xfrm>
-            <a:off x="1841754" y="1960626"/>
-            <a:ext cx="5463540" cy="0"/>
-          </a:xfrm>
-          <a:custGeom>
-            <a:avLst/>
-            <a:gdLst/>
-            <a:ahLst/>
-            <a:cxnLst/>
-            <a:rect l="l" t="t" r="r" b="b"/>
-            <a:pathLst>
-              <a:path w="5463540">
-                <a:moveTo>
-                  <a:pt x="0" y="0"/>
-                </a:moveTo>
-                <a:lnTo>
-                  <a:pt x="5463286" y="0"/>
-                </a:lnTo>
-              </a:path>
-            </a:pathLst>
-          </a:custGeom>
-          <a:ln w="28956">
-            <a:solidFill>
-              <a:srgbClr val="8176B5"/>
-            </a:solidFill>
-          </a:ln>
-        </p:spPr>
-        <p:txBody>
-          <a:bodyPr wrap="square" lIns="0" tIns="0" rIns="0" bIns="0" rtlCol="0"/>
-          <a:lstStyle/>
-          <a:p>
-            <a:endParaRPr/>
-          </a:p>
-        </p:txBody>
-      </p:sp>
-      <p:sp>
-        <p:nvSpPr>
-          <p:cNvPr id="12" name="object 12"/>
-          <p:cNvSpPr txBox="1"/>
-          <p:nvPr/>
-        </p:nvSpPr>
-        <p:spPr>
-          <a:xfrm>
-            <a:off x="8611489" y="4747666"/>
-            <a:ext cx="264795" cy="239395"/>
-          </a:xfrm>
-          <a:prstGeom prst="rect">
-            <a:avLst/>
-          </a:prstGeom>
-        </p:spPr>
-        <p:txBody>
-          <a:bodyPr vert="horz" wrap="square" lIns="0" tIns="12700" rIns="0" bIns="0" rtlCol="0">
-            <a:spAutoFit/>
-          </a:bodyPr>
-          <a:lstStyle/>
-          <a:p>
-            <a:pPr marL="38100">
-              <a:lnSpc>
-                <a:spcPct val="100000"/>
-              </a:lnSpc>
-              <a:spcBef>
-                <a:spcPts val="100"/>
-              </a:spcBef>
-            </a:pPr>
-            <a:r>
-              <a:rPr sz="2100" baseline="-23809" dirty="0">
-                <a:latin typeface="Arial"/>
-                <a:cs typeface="Arial"/>
-              </a:rPr>
-              <a:t>5</a:t>
-            </a:r>
-            <a:r>
-              <a:rPr sz="2100" spc="-292" baseline="-23809" dirty="0">
-                <a:latin typeface="Arial"/>
-                <a:cs typeface="Arial"/>
-              </a:rPr>
-              <a:t> </a:t>
-            </a:r>
-            <a:r>
-              <a:rPr sz="800" dirty="0">
-                <a:solidFill>
-                  <a:srgbClr val="434343"/>
-                </a:solidFill>
-                <a:latin typeface="Noto Sans"/>
-                <a:cs typeface="Noto Sans"/>
-              </a:rPr>
-              <a:t>5</a:t>
-            </a:r>
-            <a:endParaRPr sz="800">
-              <a:latin typeface="Noto Sans"/>
-              <a:cs typeface="Noto Sans"/>
-            </a:endParaRPr>
-          </a:p>
-        </p:txBody>
-      </p:sp>
-    </p:spTree>
-  </p:cSld>
-  <p:clrMapOvr>
-    <a:masterClrMapping/>
-  </p:clrMapOvr>
-</p:sld>
-</file>
-
 <file path=ppt/slides/slide8.xml><?xml version="1.0" encoding="utf-8"?>
 <p:sld xmlns:a="http://schemas.openxmlformats.org/drawingml/2006/main" xmlns:r="http://schemas.openxmlformats.org/officeDocument/2006/relationships" xmlns:p="http://schemas.openxmlformats.org/presentationml/2006/main" showMasterSp="0">
   <p:cSld>
@@ -6412,6 +6312,358 @@
       </p:grpSpPr>
       <p:sp>
         <p:nvSpPr>
+          <p:cNvPr id="4" name="object 4"/>
+          <p:cNvSpPr/>
+          <p:nvPr/>
+        </p:nvSpPr>
+        <p:spPr>
+          <a:xfrm>
+            <a:off x="0" y="345948"/>
+            <a:ext cx="9144000" cy="4797552"/>
+          </a:xfrm>
+          <a:prstGeom prst="rect">
+            <a:avLst/>
+          </a:prstGeom>
+          <a:blipFill>
+            <a:blip r:embed="rId3" cstate="print"/>
+            <a:stretch>
+              <a:fillRect/>
+            </a:stretch>
+          </a:blipFill>
+        </p:spPr>
+        <p:txBody>
+          <a:bodyPr wrap="square" lIns="0" tIns="0" rIns="0" bIns="0" rtlCol="0"/>
+          <a:lstStyle/>
+          <a:p>
+            <a:endParaRPr dirty="0"/>
+          </a:p>
+        </p:txBody>
+      </p:sp>
+      <p:sp>
+        <p:nvSpPr>
+          <p:cNvPr id="5" name="object 5"/>
+          <p:cNvSpPr/>
+          <p:nvPr/>
+        </p:nvSpPr>
+        <p:spPr>
+          <a:xfrm>
+            <a:off x="312420" y="512064"/>
+            <a:ext cx="8429244" cy="3994404"/>
+          </a:xfrm>
+          <a:prstGeom prst="rect">
+            <a:avLst/>
+          </a:prstGeom>
+          <a:blipFill>
+            <a:blip r:embed="rId4" cstate="print"/>
+            <a:stretch>
+              <a:fillRect/>
+            </a:stretch>
+          </a:blipFill>
+        </p:spPr>
+        <p:txBody>
+          <a:bodyPr wrap="square" lIns="0" tIns="0" rIns="0" bIns="0" rtlCol="0"/>
+          <a:lstStyle/>
+          <a:p>
+            <a:endParaRPr/>
+          </a:p>
+        </p:txBody>
+      </p:sp>
+      <p:sp>
+        <p:nvSpPr>
+          <p:cNvPr id="6" name="object 6"/>
+          <p:cNvSpPr/>
+          <p:nvPr/>
+        </p:nvSpPr>
+        <p:spPr>
+          <a:xfrm>
+            <a:off x="441959" y="653795"/>
+            <a:ext cx="8161020" cy="3718559"/>
+          </a:xfrm>
+          <a:prstGeom prst="rect">
+            <a:avLst/>
+          </a:prstGeom>
+          <a:blipFill>
+            <a:blip r:embed="rId5" cstate="print"/>
+            <a:stretch>
+              <a:fillRect/>
+            </a:stretch>
+          </a:blipFill>
+        </p:spPr>
+        <p:txBody>
+          <a:bodyPr wrap="square" lIns="0" tIns="0" rIns="0" bIns="0" rtlCol="0"/>
+          <a:lstStyle/>
+          <a:p>
+            <a:endParaRPr/>
+          </a:p>
+        </p:txBody>
+      </p:sp>
+      <p:sp>
+        <p:nvSpPr>
+          <p:cNvPr id="7" name="object 7"/>
+          <p:cNvSpPr/>
+          <p:nvPr/>
+        </p:nvSpPr>
+        <p:spPr>
+          <a:xfrm>
+            <a:off x="634745" y="826770"/>
+            <a:ext cx="7775575" cy="3335020"/>
+          </a:xfrm>
+          <a:custGeom>
+            <a:avLst/>
+            <a:gdLst/>
+            <a:ahLst/>
+            <a:cxnLst/>
+            <a:rect l="l" t="t" r="r" b="b"/>
+            <a:pathLst>
+              <a:path w="7775575" h="3335020">
+                <a:moveTo>
+                  <a:pt x="7775448" y="0"/>
+                </a:moveTo>
+                <a:lnTo>
+                  <a:pt x="0" y="0"/>
+                </a:lnTo>
+                <a:lnTo>
+                  <a:pt x="0" y="3334511"/>
+                </a:lnTo>
+                <a:lnTo>
+                  <a:pt x="7775448" y="3334511"/>
+                </a:lnTo>
+                <a:lnTo>
+                  <a:pt x="7775448" y="0"/>
+                </a:lnTo>
+                <a:close/>
+              </a:path>
+            </a:pathLst>
+          </a:custGeom>
+          <a:solidFill>
+            <a:srgbClr val="FFFFFF"/>
+          </a:solidFill>
+        </p:spPr>
+        <p:txBody>
+          <a:bodyPr wrap="square" lIns="0" tIns="0" rIns="0" bIns="0" rtlCol="0"/>
+          <a:lstStyle/>
+          <a:p>
+            <a:endParaRPr/>
+          </a:p>
+        </p:txBody>
+      </p:sp>
+      <p:sp>
+        <p:nvSpPr>
+          <p:cNvPr id="8" name="object 8"/>
+          <p:cNvSpPr/>
+          <p:nvPr/>
+        </p:nvSpPr>
+        <p:spPr>
+          <a:xfrm>
+            <a:off x="634745" y="826770"/>
+            <a:ext cx="7775575" cy="3335020"/>
+          </a:xfrm>
+          <a:custGeom>
+            <a:avLst/>
+            <a:gdLst/>
+            <a:ahLst/>
+            <a:cxnLst/>
+            <a:rect l="l" t="t" r="r" b="b"/>
+            <a:pathLst>
+              <a:path w="7775575" h="3335020">
+                <a:moveTo>
+                  <a:pt x="0" y="3334511"/>
+                </a:moveTo>
+                <a:lnTo>
+                  <a:pt x="7775448" y="3334511"/>
+                </a:lnTo>
+                <a:lnTo>
+                  <a:pt x="7775448" y="0"/>
+                </a:lnTo>
+                <a:lnTo>
+                  <a:pt x="0" y="0"/>
+                </a:lnTo>
+                <a:lnTo>
+                  <a:pt x="0" y="3334511"/>
+                </a:lnTo>
+                <a:close/>
+              </a:path>
+            </a:pathLst>
+          </a:custGeom>
+          <a:ln w="38099">
+            <a:solidFill>
+              <a:srgbClr val="FFFFFF"/>
+            </a:solidFill>
+          </a:ln>
+        </p:spPr>
+        <p:txBody>
+          <a:bodyPr wrap="square" lIns="0" tIns="0" rIns="0" bIns="0" rtlCol="0"/>
+          <a:lstStyle/>
+          <a:p>
+            <a:endParaRPr/>
+          </a:p>
+        </p:txBody>
+      </p:sp>
+      <p:sp>
+        <p:nvSpPr>
+          <p:cNvPr id="9" name="object 9"/>
+          <p:cNvSpPr txBox="1">
+            <a:spLocks noGrp="1"/>
+          </p:cNvSpPr>
+          <p:nvPr>
+            <p:ph type="title"/>
+          </p:nvPr>
+        </p:nvSpPr>
+        <p:spPr>
+          <a:xfrm>
+            <a:off x="2323845" y="1219581"/>
+            <a:ext cx="4395470" cy="467995"/>
+          </a:xfrm>
+          <a:prstGeom prst="rect">
+            <a:avLst/>
+          </a:prstGeom>
+        </p:spPr>
+        <p:txBody>
+          <a:bodyPr vert="horz" wrap="square" lIns="0" tIns="13335" rIns="0" bIns="0" rtlCol="0">
+            <a:spAutoFit/>
+          </a:bodyPr>
+          <a:lstStyle/>
+          <a:p>
+            <a:pPr marL="12700" algn="ctr">
+              <a:lnSpc>
+                <a:spcPct val="100000"/>
+              </a:lnSpc>
+              <a:spcBef>
+                <a:spcPts val="105"/>
+              </a:spcBef>
+            </a:pPr>
+            <a:r>
+              <a:rPr lang="en-US" sz="2900" b="0" spc="-10" dirty="0">
+                <a:solidFill>
+                  <a:srgbClr val="4F8BC7"/>
+                </a:solidFill>
+                <a:latin typeface="Noto Sans"/>
+                <a:cs typeface="Noto Sans"/>
+              </a:rPr>
+              <a:t>Key-Value Storage</a:t>
+            </a:r>
+            <a:endParaRPr sz="2900" dirty="0">
+              <a:latin typeface="Noto Sans"/>
+              <a:cs typeface="Noto Sans"/>
+            </a:endParaRPr>
+          </a:p>
+        </p:txBody>
+      </p:sp>
+      <p:sp>
+        <p:nvSpPr>
+          <p:cNvPr id="10" name="object 10"/>
+          <p:cNvSpPr txBox="1"/>
+          <p:nvPr/>
+        </p:nvSpPr>
+        <p:spPr>
+          <a:xfrm>
+            <a:off x="1058976" y="2329434"/>
+            <a:ext cx="6871334" cy="1245870"/>
+          </a:xfrm>
+          <a:prstGeom prst="rect">
+            <a:avLst/>
+          </a:prstGeom>
+        </p:spPr>
+        <p:txBody>
+          <a:bodyPr vert="horz" wrap="square" lIns="0" tIns="12700" rIns="0" bIns="0" rtlCol="0">
+            <a:spAutoFit/>
+          </a:bodyPr>
+          <a:lstStyle/>
+          <a:p>
+            <a:pPr marL="12700" marR="5080" indent="1905" algn="ctr">
+              <a:lnSpc>
+                <a:spcPct val="100000"/>
+              </a:lnSpc>
+              <a:spcBef>
+                <a:spcPts val="100"/>
+              </a:spcBef>
+            </a:pPr>
+            <a:r>
+              <a:rPr lang="en-US" sz="2000" spc="-10" dirty="0">
+                <a:solidFill>
+                  <a:srgbClr val="408AC8"/>
+                </a:solidFill>
+                <a:latin typeface="Noto Sans"/>
+                <a:cs typeface="Noto Sans"/>
+              </a:rPr>
+              <a:t>Workers KV is a global, low-latency, key-value data store. It supports exceptionally high read volumes with low-latency, making it possible to build highly dynamic APIs and websites which respond as quickly as a cached static file would.</a:t>
+            </a:r>
+            <a:endParaRPr sz="2000" dirty="0">
+              <a:latin typeface="Noto Sans"/>
+              <a:cs typeface="Noto Sans"/>
+            </a:endParaRPr>
+          </a:p>
+        </p:txBody>
+      </p:sp>
+      <p:sp>
+        <p:nvSpPr>
+          <p:cNvPr id="11" name="object 11"/>
+          <p:cNvSpPr/>
+          <p:nvPr/>
+        </p:nvSpPr>
+        <p:spPr>
+          <a:xfrm>
+            <a:off x="1841754" y="1960626"/>
+            <a:ext cx="5463540" cy="0"/>
+          </a:xfrm>
+          <a:custGeom>
+            <a:avLst/>
+            <a:gdLst/>
+            <a:ahLst/>
+            <a:cxnLst/>
+            <a:rect l="l" t="t" r="r" b="b"/>
+            <a:pathLst>
+              <a:path w="5463540">
+                <a:moveTo>
+                  <a:pt x="0" y="0"/>
+                </a:moveTo>
+                <a:lnTo>
+                  <a:pt x="5463286" y="0"/>
+                </a:lnTo>
+              </a:path>
+            </a:pathLst>
+          </a:custGeom>
+          <a:ln w="28956">
+            <a:solidFill>
+              <a:srgbClr val="8176B5"/>
+            </a:solidFill>
+          </a:ln>
+        </p:spPr>
+        <p:txBody>
+          <a:bodyPr wrap="square" lIns="0" tIns="0" rIns="0" bIns="0" rtlCol="0"/>
+          <a:lstStyle/>
+          <a:p>
+            <a:endParaRPr/>
+          </a:p>
+        </p:txBody>
+      </p:sp>
+    </p:spTree>
+  </p:cSld>
+  <p:clrMapOvr>
+    <a:masterClrMapping/>
+  </p:clrMapOvr>
+</p:sld>
+</file>
+
+<file path=ppt/slides/slide9.xml><?xml version="1.0" encoding="utf-8"?>
+<p:sld xmlns:a="http://schemas.openxmlformats.org/drawingml/2006/main" xmlns:r="http://schemas.openxmlformats.org/officeDocument/2006/relationships" xmlns:p="http://schemas.openxmlformats.org/presentationml/2006/main" showMasterSp="0">
+  <p:cSld>
+    <p:spTree>
+      <p:nvGrpSpPr>
+        <p:cNvPr id="1" name=""/>
+        <p:cNvGrpSpPr/>
+        <p:nvPr/>
+      </p:nvGrpSpPr>
+      <p:grpSpPr>
+        <a:xfrm>
+          <a:off x="0" y="0"/>
+          <a:ext cx="0" cy="0"/>
+          <a:chOff x="0" y="0"/>
+          <a:chExt cx="0" cy="0"/>
+        </a:xfrm>
+      </p:grpSpPr>
+      <p:sp>
+        <p:nvSpPr>
           <p:cNvPr id="2" name="object 2"/>
           <p:cNvSpPr/>
           <p:nvPr/>
@@ -6493,7 +6745,7 @@
         <p:spPr>
           <a:xfrm>
             <a:off x="6257290" y="1100222"/>
-            <a:ext cx="2414270" cy="3180080"/>
+            <a:ext cx="2414270" cy="2868734"/>
           </a:xfrm>
           <a:prstGeom prst="rect">
             <a:avLst/>
@@ -6543,7 +6795,7 @@
               </a:rPr>
               <a:t>properties</a:t>
             </a:r>
-            <a:endParaRPr sz="1000">
+            <a:endParaRPr sz="1000" dirty="0">
               <a:latin typeface="Noto Sans"/>
               <a:cs typeface="Noto Sans"/>
             </a:endParaRPr>
@@ -6567,7 +6819,7 @@
               </a:rPr>
               <a:t>200</a:t>
             </a:r>
-            <a:endParaRPr sz="3000">
+            <a:endParaRPr sz="3000" dirty="0">
               <a:latin typeface="Noto Sans"/>
               <a:cs typeface="Noto Sans"/>
             </a:endParaRPr>
@@ -6609,7 +6861,27 @@
                 <a:latin typeface="Noto Sans"/>
                 <a:cs typeface="Noto Sans"/>
               </a:rPr>
-              <a:t>90+</a:t>
+              <a:t>9</a:t>
+            </a:r>
+            <a:r>
+              <a:rPr lang="en-US" sz="1000" b="1" spc="-10" dirty="0">
+                <a:solidFill>
+                  <a:srgbClr val="FFFFFF"/>
+                </a:solidFill>
+                <a:latin typeface="Noto Sans"/>
+                <a:cs typeface="Noto Sans"/>
+              </a:rPr>
+              <a:t>5</a:t>
+            </a:r>
+            <a:r>
+              <a:rPr sz="1000" b="1" spc="-10" dirty="0">
+                <a:solidFill>
+                  <a:srgbClr val="FFFFFF"/>
+                </a:solidFill>
+                <a:latin typeface="Noto Sans"/>
+                <a:cs typeface="Noto Sans"/>
+              </a:rPr>
+              <a:t>+</a:t>
             </a:r>
             <a:r>
               <a:rPr sz="1000" b="1" spc="50" dirty="0">
@@ -6631,7 +6903,7 @@
               </a:rPr>
               <a:t>countries</a:t>
             </a:r>
-            <a:endParaRPr sz="1000">
+            <a:endParaRPr sz="1000" dirty="0">
               <a:latin typeface="Noto Sans"/>
               <a:cs typeface="Noto Sans"/>
             </a:endParaRPr>
@@ -6645,7 +6917,7 @@
                 <a:spcPts val="50"/>
               </a:spcBef>
             </a:pPr>
-            <a:endParaRPr sz="1100">
+            <a:endParaRPr sz="1100" dirty="0">
               <a:latin typeface="Noto Sans"/>
               <a:cs typeface="Noto Sans"/>
             </a:endParaRPr>
@@ -6666,7 +6938,7 @@
               </a:rPr>
               <a:t>50B</a:t>
             </a:r>
-            <a:endParaRPr sz="3000">
+            <a:endParaRPr sz="3000" dirty="0">
               <a:latin typeface="Noto Sans"/>
               <a:cs typeface="Noto Sans"/>
             </a:endParaRPr>
@@ -6720,7 +6992,7 @@
               </a:rPr>
               <a:t>Q4’19</a:t>
             </a:r>
-            <a:endParaRPr sz="1000">
+            <a:endParaRPr sz="1000" dirty="0">
               <a:latin typeface="Noto Sans"/>
               <a:cs typeface="Noto Sans"/>
             </a:endParaRPr>
@@ -6744,7 +7016,7 @@
               </a:rPr>
               <a:t>99%</a:t>
             </a:r>
-            <a:endParaRPr sz="3000">
+            <a:endParaRPr sz="3000" dirty="0">
               <a:latin typeface="Noto Sans"/>
               <a:cs typeface="Noto Sans"/>
             </a:endParaRPr>
@@ -6828,7 +7100,7 @@
               </a:rPr>
               <a:t>network</a:t>
             </a:r>
-            <a:endParaRPr sz="1000">
+            <a:endParaRPr sz="1000" dirty="0">
               <a:latin typeface="Noto Sans"/>
               <a:cs typeface="Noto Sans"/>
             </a:endParaRPr>
@@ -7041,106 +7313,6 @@
             <a:endParaRPr sz="1800">
               <a:latin typeface="Noto Sans"/>
               <a:cs typeface="Noto Sans"/>
-            </a:endParaRPr>
-          </a:p>
-        </p:txBody>
-      </p:sp>
-    </p:spTree>
-  </p:cSld>
-  <p:clrMapOvr>
-    <a:masterClrMapping/>
-  </p:clrMapOvr>
-</p:sld>
-</file>
-
-<file path=ppt/slides/slide9.xml><?xml version="1.0" encoding="utf-8"?>
-<p:sld xmlns:a="http://schemas.openxmlformats.org/drawingml/2006/main" xmlns:r="http://schemas.openxmlformats.org/officeDocument/2006/relationships" xmlns:p="http://schemas.openxmlformats.org/presentationml/2006/main" showMasterSp="0">
-  <p:cSld>
-    <p:spTree>
-      <p:nvGrpSpPr>
-        <p:cNvPr id="1" name=""/>
-        <p:cNvGrpSpPr/>
-        <p:nvPr/>
-      </p:nvGrpSpPr>
-      <p:grpSpPr>
-        <a:xfrm>
-          <a:off x="0" y="0"/>
-          <a:ext cx="0" cy="0"/>
-          <a:chOff x="0" y="0"/>
-          <a:chExt cx="0" cy="0"/>
-        </a:xfrm>
-      </p:grpSpPr>
-      <p:sp>
-        <p:nvSpPr>
-          <p:cNvPr id="2" name="object 2"/>
-          <p:cNvSpPr/>
-          <p:nvPr/>
-        </p:nvSpPr>
-        <p:spPr>
-          <a:xfrm>
-            <a:off x="0" y="0"/>
-            <a:ext cx="9144000" cy="5143499"/>
-          </a:xfrm>
-          <a:prstGeom prst="rect">
-            <a:avLst/>
-          </a:prstGeom>
-          <a:blipFill>
-            <a:blip r:embed="rId2" cstate="print"/>
-            <a:stretch>
-              <a:fillRect/>
-            </a:stretch>
-          </a:blipFill>
-        </p:spPr>
-        <p:txBody>
-          <a:bodyPr wrap="square" lIns="0" tIns="0" rIns="0" bIns="0" rtlCol="0"/>
-          <a:lstStyle/>
-          <a:p>
-            <a:endParaRPr/>
-          </a:p>
-        </p:txBody>
-      </p:sp>
-      <p:sp>
-        <p:nvSpPr>
-          <p:cNvPr id="3" name="object 3"/>
-          <p:cNvSpPr txBox="1"/>
-          <p:nvPr/>
-        </p:nvSpPr>
-        <p:spPr>
-          <a:xfrm>
-            <a:off x="535940" y="3433648"/>
-            <a:ext cx="885825" cy="514350"/>
-          </a:xfrm>
-          <a:prstGeom prst="rect">
-            <a:avLst/>
-          </a:prstGeom>
-        </p:spPr>
-        <p:txBody>
-          <a:bodyPr vert="horz" wrap="square" lIns="0" tIns="13335" rIns="0" bIns="0" rtlCol="0">
-            <a:spAutoFit/>
-          </a:bodyPr>
-          <a:lstStyle/>
-          <a:p>
-            <a:pPr marL="12700">
-              <a:lnSpc>
-                <a:spcPct val="100000"/>
-              </a:lnSpc>
-              <a:spcBef>
-                <a:spcPts val="105"/>
-              </a:spcBef>
-            </a:pPr>
-            <a:r>
-              <a:rPr sz="3200" dirty="0">
-                <a:solidFill>
-                  <a:srgbClr val="FFFFFF"/>
-                </a:solidFill>
-                <a:latin typeface="Arial"/>
-                <a:cs typeface="Arial"/>
-              </a:rPr>
-              <a:t>Q&amp;A</a:t>
-            </a:r>
-            <a:endParaRPr sz="3200">
-              <a:latin typeface="Arial"/>
-              <a:cs typeface="Arial"/>
             </a:endParaRPr>
           </a:p>
         </p:txBody>
